--- a/Automation strategy-v2.pptx
+++ b/Automation strategy-v2.pptx
@@ -8,6 +8,9 @@
     <p:sldId id="256" r:id="rId2"/>
     <p:sldId id="257" r:id="rId3"/>
     <p:sldId id="258" r:id="rId4"/>
+    <p:sldId id="259" r:id="rId5"/>
+    <p:sldId id="260" r:id="rId6"/>
+    <p:sldId id="261" r:id="rId7"/>
   </p:sldIdLst>
   <p:sldSz cx="12192000" cy="6858000"/>
   <p:notesSz cx="6858000" cy="9144000"/>
@@ -106,6 +109,11 @@
       </a:defRPr>
     </a:lvl9pPr>
   </p:defaultTextStyle>
+  <p:extLst>
+    <p:ext uri="{EFAFB233-063F-42B5-8137-9DF3F51BA10A}">
+      <p15:sldGuideLst xmlns:p15="http://schemas.microsoft.com/office/powerpoint/2012/main"/>
+    </p:ext>
+  </p:extLst>
 </p:presentation>
 </file>
 
@@ -3615,9 +3623,77 @@
           </a:p>
           <a:p>
             <a:r>
-              <a:rPr lang="en-US"/>
-              <a:t>We can test</a:t>
-            </a:r>
+              <a:rPr lang="en-US" dirty="0"/>
+              <a:t>We can test the video/Audio streaming aspect using </a:t>
+            </a:r>
+            <a:r>
+              <a:rPr lang="en-US" dirty="0" err="1"/>
+              <a:t>Jmeter</a:t>
+            </a:r>
+            <a:endParaRPr lang="en-US" dirty="0"/>
+          </a:p>
+          <a:p>
+            <a:r>
+              <a:rPr lang="en-US" dirty="0"/>
+              <a:t>The various aspects to test would be </a:t>
+            </a:r>
+          </a:p>
+          <a:p>
+            <a:pPr lvl="3"/>
+            <a:r>
+              <a:rPr lang="en-US" b="1" dirty="0"/>
+              <a:t>Buffering Time</a:t>
+            </a:r>
+          </a:p>
+          <a:p>
+            <a:pPr lvl="3"/>
+            <a:r>
+              <a:rPr lang="en-US" b="1" dirty="0"/>
+              <a:t>Bit Rate</a:t>
+            </a:r>
+          </a:p>
+          <a:p>
+            <a:pPr lvl="3"/>
+            <a:r>
+              <a:rPr lang="en-US" b="1" dirty="0"/>
+              <a:t>Lagging Time</a:t>
+            </a:r>
+            <a:r>
+              <a:rPr lang="en-US" dirty="0"/>
+              <a:t> </a:t>
+            </a:r>
+          </a:p>
+          <a:p>
+            <a:pPr lvl="3"/>
+            <a:r>
+              <a:rPr lang="en-US" b="1" dirty="0"/>
+              <a:t>Data Consumed</a:t>
+            </a:r>
+          </a:p>
+          <a:p>
+            <a:pPr lvl="3"/>
+            <a:r>
+              <a:rPr lang="en-US" b="1" dirty="0"/>
+              <a:t>Platform Compatibility</a:t>
+            </a:r>
+          </a:p>
+          <a:p>
+            <a:pPr lvl="3"/>
+            <a:r>
+              <a:rPr lang="en-US" b="1" dirty="0"/>
+              <a:t>Subtitles Synchronization and On/Off</a:t>
+            </a:r>
+          </a:p>
+          <a:p>
+            <a:pPr lvl="3"/>
+            <a:r>
+              <a:rPr lang="en-US" b="1" dirty="0"/>
+              <a:t>Cross-Browser Compatibility Testing of a Streaming Application</a:t>
+            </a:r>
+          </a:p>
+          <a:p>
+            <a:pPr lvl="3"/>
+            <a:endParaRPr lang="en-US" dirty="0"/>
           </a:p>
         </p:txBody>
       </p:sp>
@@ -3625,6 +3701,270 @@
     <p:extLst>
       <p:ext uri="{BB962C8B-B14F-4D97-AF65-F5344CB8AC3E}">
         <p14:creationId xmlns:p14="http://schemas.microsoft.com/office/powerpoint/2010/main" val="580125022"/>
+      </p:ext>
+    </p:extLst>
+  </p:cSld>
+  <p:clrMapOvr>
+    <a:masterClrMapping/>
+  </p:clrMapOvr>
+</p:sld>
+</file>
+
+<file path=ppt/slides/slide4.xml><?xml version="1.0" encoding="utf-8"?>
+<p:sld xmlns:a="http://schemas.openxmlformats.org/drawingml/2006/main" xmlns:r="http://schemas.openxmlformats.org/officeDocument/2006/relationships" xmlns:p="http://schemas.openxmlformats.org/presentationml/2006/main">
+  <p:cSld>
+    <p:spTree>
+      <p:nvGrpSpPr>
+        <p:cNvPr id="1" name=""/>
+        <p:cNvGrpSpPr/>
+        <p:nvPr/>
+      </p:nvGrpSpPr>
+      <p:grpSpPr>
+        <a:xfrm>
+          <a:off x="0" y="0"/>
+          <a:ext cx="0" cy="0"/>
+          <a:chOff x="0" y="0"/>
+          <a:chExt cx="0" cy="0"/>
+        </a:xfrm>
+      </p:grpSpPr>
+      <p:sp>
+        <p:nvSpPr>
+          <p:cNvPr id="2" name="Title 1">
+            <a:extLst>
+              <a:ext uri="{FF2B5EF4-FFF2-40B4-BE49-F238E27FC236}">
+                <a16:creationId xmlns:a16="http://schemas.microsoft.com/office/drawing/2014/main" id="{8EF6D1A6-10F3-4CFE-9782-734F164F25C4}"/>
+              </a:ext>
+            </a:extLst>
+          </p:cNvPr>
+          <p:cNvSpPr>
+            <a:spLocks noGrp="1"/>
+          </p:cNvSpPr>
+          <p:nvPr>
+            <p:ph type="title"/>
+          </p:nvPr>
+        </p:nvSpPr>
+        <p:spPr/>
+        <p:txBody>
+          <a:bodyPr/>
+          <a:lstStyle/>
+          <a:p>
+            <a:pPr algn="ctr"/>
+            <a:r>
+              <a:rPr lang="en-US" dirty="0"/>
+              <a:t>Payments Tests</a:t>
+            </a:r>
+          </a:p>
+        </p:txBody>
+      </p:sp>
+      <p:sp>
+        <p:nvSpPr>
+          <p:cNvPr id="3" name="Content Placeholder 2">
+            <a:extLst>
+              <a:ext uri="{FF2B5EF4-FFF2-40B4-BE49-F238E27FC236}">
+                <a16:creationId xmlns:a16="http://schemas.microsoft.com/office/drawing/2014/main" id="{F6116921-2849-4871-85F4-368973FE848F}"/>
+              </a:ext>
+            </a:extLst>
+          </p:cNvPr>
+          <p:cNvSpPr>
+            <a:spLocks noGrp="1"/>
+          </p:cNvSpPr>
+          <p:nvPr>
+            <p:ph idx="1"/>
+          </p:nvPr>
+        </p:nvSpPr>
+        <p:spPr/>
+        <p:txBody>
+          <a:bodyPr/>
+          <a:lstStyle/>
+          <a:p>
+            <a:r>
+              <a:rPr lang="en-US" dirty="0"/>
+              <a:t>Payment test can be easily integration with the existing automation solution provided.</a:t>
+            </a:r>
+          </a:p>
+          <a:p>
+            <a:r>
+              <a:rPr lang="en-US" dirty="0"/>
+              <a:t>To test ,we can think Payment Test as API tests with authorization and authentication at a particular stage</a:t>
+            </a:r>
+          </a:p>
+          <a:p>
+            <a:r>
+              <a:rPr lang="en-US" dirty="0"/>
+              <a:t>The same can be included in the API automation tests in the existing Framework</a:t>
+            </a:r>
+          </a:p>
+        </p:txBody>
+      </p:sp>
+    </p:spTree>
+    <p:extLst>
+      <p:ext uri="{BB962C8B-B14F-4D97-AF65-F5344CB8AC3E}">
+        <p14:creationId xmlns:p14="http://schemas.microsoft.com/office/powerpoint/2010/main" val="3388490370"/>
+      </p:ext>
+    </p:extLst>
+  </p:cSld>
+  <p:clrMapOvr>
+    <a:masterClrMapping/>
+  </p:clrMapOvr>
+</p:sld>
+</file>
+
+<file path=ppt/slides/slide5.xml><?xml version="1.0" encoding="utf-8"?>
+<p:sld xmlns:a="http://schemas.openxmlformats.org/drawingml/2006/main" xmlns:r="http://schemas.openxmlformats.org/officeDocument/2006/relationships" xmlns:p="http://schemas.openxmlformats.org/presentationml/2006/main">
+  <p:cSld>
+    <p:spTree>
+      <p:nvGrpSpPr>
+        <p:cNvPr id="1" name=""/>
+        <p:cNvGrpSpPr/>
+        <p:nvPr/>
+      </p:nvGrpSpPr>
+      <p:grpSpPr>
+        <a:xfrm>
+          <a:off x="0" y="0"/>
+          <a:ext cx="0" cy="0"/>
+          <a:chOff x="0" y="0"/>
+          <a:chExt cx="0" cy="0"/>
+        </a:xfrm>
+      </p:grpSpPr>
+      <p:sp>
+        <p:nvSpPr>
+          <p:cNvPr id="2" name="Title 1">
+            <a:extLst>
+              <a:ext uri="{FF2B5EF4-FFF2-40B4-BE49-F238E27FC236}">
+                <a16:creationId xmlns:a16="http://schemas.microsoft.com/office/drawing/2014/main" id="{5F2484D9-134B-4DD9-B042-640AB4CC645B}"/>
+              </a:ext>
+            </a:extLst>
+          </p:cNvPr>
+          <p:cNvSpPr>
+            <a:spLocks noGrp="1"/>
+          </p:cNvSpPr>
+          <p:nvPr>
+            <p:ph type="title"/>
+          </p:nvPr>
+        </p:nvSpPr>
+        <p:spPr/>
+        <p:txBody>
+          <a:bodyPr/>
+          <a:lstStyle/>
+          <a:p>
+            <a:r>
+              <a:rPr lang="en-US" dirty="0"/>
+              <a:t>International Help</a:t>
+            </a:r>
+          </a:p>
+        </p:txBody>
+      </p:sp>
+      <p:sp>
+        <p:nvSpPr>
+          <p:cNvPr id="3" name="Content Placeholder 2">
+            <a:extLst>
+              <a:ext uri="{FF2B5EF4-FFF2-40B4-BE49-F238E27FC236}">
+                <a16:creationId xmlns:a16="http://schemas.microsoft.com/office/drawing/2014/main" id="{DD379470-4DEF-43A9-AAD2-D5887C72FB0C}"/>
+              </a:ext>
+            </a:extLst>
+          </p:cNvPr>
+          <p:cNvSpPr>
+            <a:spLocks noGrp="1"/>
+          </p:cNvSpPr>
+          <p:nvPr>
+            <p:ph idx="1"/>
+          </p:nvPr>
+        </p:nvSpPr>
+        <p:spPr/>
+        <p:txBody>
+          <a:bodyPr/>
+          <a:lstStyle/>
+          <a:p>
+            <a:r>
+              <a:rPr lang="en-US" dirty="0"/>
+              <a:t>Create the Set of Functional cases that need help</a:t>
+            </a:r>
+          </a:p>
+          <a:p>
+            <a:r>
+              <a:rPr lang="en-US" dirty="0"/>
+              <a:t>Create the Set of queries that need help.</a:t>
+            </a:r>
+          </a:p>
+          <a:p>
+            <a:r>
+              <a:rPr lang="en-US" dirty="0"/>
+              <a:t>Create a documentation in confluence and post your queries and ask them to update in there.</a:t>
+            </a:r>
+          </a:p>
+          <a:p>
+            <a:r>
+              <a:rPr lang="en-US" dirty="0"/>
+              <a:t>Create tests cases to cover all the aspects and here you go.</a:t>
+            </a:r>
+          </a:p>
+          <a:p>
+            <a:endParaRPr lang="en-US" dirty="0"/>
+          </a:p>
+        </p:txBody>
+      </p:sp>
+    </p:spTree>
+    <p:extLst>
+      <p:ext uri="{BB962C8B-B14F-4D97-AF65-F5344CB8AC3E}">
+        <p14:creationId xmlns:p14="http://schemas.microsoft.com/office/powerpoint/2010/main" val="2584384157"/>
+      </p:ext>
+    </p:extLst>
+  </p:cSld>
+  <p:clrMapOvr>
+    <a:masterClrMapping/>
+  </p:clrMapOvr>
+</p:sld>
+</file>
+
+<file path=ppt/slides/slide6.xml><?xml version="1.0" encoding="utf-8"?>
+<p:sld xmlns:a="http://schemas.openxmlformats.org/drawingml/2006/main" xmlns:r="http://schemas.openxmlformats.org/officeDocument/2006/relationships" xmlns:p="http://schemas.openxmlformats.org/presentationml/2006/main">
+  <p:cSld>
+    <p:spTree>
+      <p:nvGrpSpPr>
+        <p:cNvPr id="1" name=""/>
+        <p:cNvGrpSpPr/>
+        <p:nvPr/>
+      </p:nvGrpSpPr>
+      <p:grpSpPr>
+        <a:xfrm>
+          <a:off x="0" y="0"/>
+          <a:ext cx="0" cy="0"/>
+          <a:chOff x="0" y="0"/>
+          <a:chExt cx="0" cy="0"/>
+        </a:xfrm>
+      </p:grpSpPr>
+      <p:sp>
+        <p:nvSpPr>
+          <p:cNvPr id="2" name="Title 1">
+            <a:extLst>
+              <a:ext uri="{FF2B5EF4-FFF2-40B4-BE49-F238E27FC236}">
+                <a16:creationId xmlns:a16="http://schemas.microsoft.com/office/drawing/2014/main" id="{92DE8D5D-436D-4D80-AEB2-C81EF9FD03D7}"/>
+              </a:ext>
+            </a:extLst>
+          </p:cNvPr>
+          <p:cNvSpPr>
+            <a:spLocks noGrp="1"/>
+          </p:cNvSpPr>
+          <p:nvPr>
+            <p:ph type="title"/>
+          </p:nvPr>
+        </p:nvSpPr>
+        <p:spPr/>
+        <p:txBody>
+          <a:bodyPr/>
+          <a:lstStyle/>
+          <a:p>
+            <a:r>
+              <a:rPr lang="en-US" dirty="0"/>
+              <a:t>		Thanks</a:t>
+            </a:r>
+          </a:p>
+        </p:txBody>
+      </p:sp>
+    </p:spTree>
+    <p:extLst>
+      <p:ext uri="{BB962C8B-B14F-4D97-AF65-F5344CB8AC3E}">
+        <p14:creationId xmlns:p14="http://schemas.microsoft.com/office/powerpoint/2010/main" val="2249793970"/>
       </p:ext>
     </p:extLst>
   </p:cSld>
